--- a/projet 9/Kraan_ruben_1_support_052025.pptx
+++ b/projet 9/Kraan_ruben_1_support_052025.pptx
@@ -160,7 +160,7 @@
   <pc:docChgLst>
     <pc:chgData name="Ruben Kraan" userId="3ab5a76f85f29f2b" providerId="LiveId" clId="{E40AAE72-A0DC-4CD1-ADE5-A30285637776}"/>
     <pc:docChg chg="undo custSel addSld delSld modSld">
-      <pc:chgData name="Ruben Kraan" userId="3ab5a76f85f29f2b" providerId="LiveId" clId="{E40AAE72-A0DC-4CD1-ADE5-A30285637776}" dt="2025-05-20T16:03:10.634" v="328" actId="20577"/>
+      <pc:chgData name="Ruben Kraan" userId="3ab5a76f85f29f2b" providerId="LiveId" clId="{E40AAE72-A0DC-4CD1-ADE5-A30285637776}" dt="2025-06-03T12:41:36.669" v="330" actId="20577"/>
       <pc:docMkLst>
         <pc:docMk/>
       </pc:docMkLst>
@@ -176,14 +176,6 @@
             <pc:docMk/>
             <pc:sldMk cId="2155061894" sldId="268"/>
             <ac:spMk id="2" creationId="{1F8C3CC6-772B-AE95-080B-B74EF376CB22}"/>
-          </ac:spMkLst>
-        </pc:spChg>
-        <pc:spChg chg="del">
-          <ac:chgData name="Ruben Kraan" userId="3ab5a76f85f29f2b" providerId="LiveId" clId="{E40AAE72-A0DC-4CD1-ADE5-A30285637776}" dt="2025-05-20T15:51:04.489" v="239" actId="26606"/>
-          <ac:spMkLst>
-            <pc:docMk/>
-            <pc:sldMk cId="2155061894" sldId="268"/>
-            <ac:spMk id="14" creationId="{33E93247-6229-44AB-A550-739E971E690B}"/>
           </ac:spMkLst>
         </pc:spChg>
         <pc:spChg chg="add">
@@ -210,30 +202,6 @@
             <ac:picMk id="5" creationId="{414AF060-147D-28A9-CE9F-2486255EB3EB}"/>
           </ac:picMkLst>
         </pc:picChg>
-        <pc:cxnChg chg="del">
-          <ac:chgData name="Ruben Kraan" userId="3ab5a76f85f29f2b" providerId="LiveId" clId="{E40AAE72-A0DC-4CD1-ADE5-A30285637776}" dt="2025-05-20T15:51:04.489" v="239" actId="26606"/>
-          <ac:cxnSpMkLst>
-            <pc:docMk/>
-            <pc:sldMk cId="2155061894" sldId="268"/>
-            <ac:cxnSpMk id="10" creationId="{F64F9B95-9045-48D2-B9F3-2927E98F54AA}"/>
-          </ac:cxnSpMkLst>
-        </pc:cxnChg>
-        <pc:cxnChg chg="del">
-          <ac:chgData name="Ruben Kraan" userId="3ab5a76f85f29f2b" providerId="LiveId" clId="{E40AAE72-A0DC-4CD1-ADE5-A30285637776}" dt="2025-05-20T15:51:04.489" v="239" actId="26606"/>
-          <ac:cxnSpMkLst>
-            <pc:docMk/>
-            <pc:sldMk cId="2155061894" sldId="268"/>
-            <ac:cxnSpMk id="12" creationId="{085AA86F-6A4D-4BCB-A045-D992CDC2959B}"/>
-          </ac:cxnSpMkLst>
-        </pc:cxnChg>
-        <pc:cxnChg chg="del">
-          <ac:chgData name="Ruben Kraan" userId="3ab5a76f85f29f2b" providerId="LiveId" clId="{E40AAE72-A0DC-4CD1-ADE5-A30285637776}" dt="2025-05-20T15:51:04.489" v="239" actId="26606"/>
-          <ac:cxnSpMkLst>
-            <pc:docMk/>
-            <pc:sldMk cId="2155061894" sldId="268"/>
-            <ac:cxnSpMk id="16" creationId="{EE2E603F-4A95-4FE8-BB06-211DFD75DBEF}"/>
-          </ac:cxnSpMkLst>
-        </pc:cxnChg>
         <pc:cxnChg chg="add">
           <ac:chgData name="Ruben Kraan" userId="3ab5a76f85f29f2b" providerId="LiveId" clId="{E40AAE72-A0DC-4CD1-ADE5-A30285637776}" dt="2025-05-20T15:51:04.489" v="239" actId="26606"/>
           <ac:cxnSpMkLst>
@@ -257,22 +225,6 @@
           <pc:docMk/>
           <pc:sldMk cId="938649389" sldId="269"/>
         </pc:sldMkLst>
-        <pc:spChg chg="add mod">
-          <ac:chgData name="Ruben Kraan" userId="3ab5a76f85f29f2b" providerId="LiveId" clId="{E40AAE72-A0DC-4CD1-ADE5-A30285637776}" dt="2025-05-20T15:50:43.700" v="236" actId="21"/>
-          <ac:spMkLst>
-            <pc:docMk/>
-            <pc:sldMk cId="938649389" sldId="269"/>
-            <ac:spMk id="4" creationId="{6B9EA5ED-1D20-9EB8-283F-852117ACFD98}"/>
-          </ac:spMkLst>
-        </pc:spChg>
-        <pc:picChg chg="del">
-          <ac:chgData name="Ruben Kraan" userId="3ab5a76f85f29f2b" providerId="LiveId" clId="{E40AAE72-A0DC-4CD1-ADE5-A30285637776}" dt="2025-05-20T15:50:43.700" v="236" actId="21"/>
-          <ac:picMkLst>
-            <pc:docMk/>
-            <pc:sldMk cId="938649389" sldId="269"/>
-            <ac:picMk id="5" creationId="{0A0D13BC-0AE6-70CA-134E-E1DCD8083835}"/>
-          </ac:picMkLst>
-        </pc:picChg>
       </pc:sldChg>
       <pc:sldChg chg="addSp delSp modSp mod">
         <pc:chgData name="Ruben Kraan" userId="3ab5a76f85f29f2b" providerId="LiveId" clId="{E40AAE72-A0DC-4CD1-ADE5-A30285637776}" dt="2025-05-20T15:33:13.678" v="15" actId="26606"/>
@@ -280,22 +232,6 @@
           <pc:docMk/>
           <pc:sldMk cId="756821208" sldId="270"/>
         </pc:sldMkLst>
-        <pc:spChg chg="add del mod">
-          <ac:chgData name="Ruben Kraan" userId="3ab5a76f85f29f2b" providerId="LiveId" clId="{E40AAE72-A0DC-4CD1-ADE5-A30285637776}" dt="2025-05-20T15:33:12.161" v="14" actId="22"/>
-          <ac:spMkLst>
-            <pc:docMk/>
-            <pc:sldMk cId="756821208" sldId="270"/>
-            <ac:spMk id="4" creationId="{165CC7C1-E689-9F5E-C722-63321BF18667}"/>
-          </ac:spMkLst>
-        </pc:spChg>
-        <pc:spChg chg="del">
-          <ac:chgData name="Ruben Kraan" userId="3ab5a76f85f29f2b" providerId="LiveId" clId="{E40AAE72-A0DC-4CD1-ADE5-A30285637776}" dt="2025-05-20T15:33:13.678" v="15" actId="26606"/>
-          <ac:spMkLst>
-            <pc:docMk/>
-            <pc:sldMk cId="756821208" sldId="270"/>
-            <ac:spMk id="14" creationId="{33E93247-6229-44AB-A550-739E971E690B}"/>
-          </ac:spMkLst>
-        </pc:spChg>
         <pc:spChg chg="add">
           <ac:chgData name="Ruben Kraan" userId="3ab5a76f85f29f2b" providerId="LiveId" clId="{E40AAE72-A0DC-4CD1-ADE5-A30285637776}" dt="2025-05-20T15:33:13.678" v="15" actId="26606"/>
           <ac:spMkLst>
@@ -304,14 +240,6 @@
             <ac:spMk id="25" creationId="{33E93247-6229-44AB-A550-739E971E690B}"/>
           </ac:spMkLst>
         </pc:spChg>
-        <pc:picChg chg="del">
-          <ac:chgData name="Ruben Kraan" userId="3ab5a76f85f29f2b" providerId="LiveId" clId="{E40AAE72-A0DC-4CD1-ADE5-A30285637776}" dt="2025-05-20T15:33:01.083" v="13" actId="478"/>
-          <ac:picMkLst>
-            <pc:docMk/>
-            <pc:sldMk cId="756821208" sldId="270"/>
-            <ac:picMk id="5" creationId="{05626110-9A5F-CA83-2394-0EF1C0F3AAE5}"/>
-          </ac:picMkLst>
-        </pc:picChg>
         <pc:picChg chg="add mod ord">
           <ac:chgData name="Ruben Kraan" userId="3ab5a76f85f29f2b" providerId="LiveId" clId="{E40AAE72-A0DC-4CD1-ADE5-A30285637776}" dt="2025-05-20T15:33:13.678" v="15" actId="26606"/>
           <ac:picMkLst>
@@ -320,30 +248,6 @@
             <ac:picMk id="7" creationId="{E74AF1AD-3918-268C-319B-34889FBB1F8F}"/>
           </ac:picMkLst>
         </pc:picChg>
-        <pc:cxnChg chg="del">
-          <ac:chgData name="Ruben Kraan" userId="3ab5a76f85f29f2b" providerId="LiveId" clId="{E40AAE72-A0DC-4CD1-ADE5-A30285637776}" dt="2025-05-20T15:33:13.678" v="15" actId="26606"/>
-          <ac:cxnSpMkLst>
-            <pc:docMk/>
-            <pc:sldMk cId="756821208" sldId="270"/>
-            <ac:cxnSpMk id="10" creationId="{F64F9B95-9045-48D2-B9F3-2927E98F54AA}"/>
-          </ac:cxnSpMkLst>
-        </pc:cxnChg>
-        <pc:cxnChg chg="del">
-          <ac:chgData name="Ruben Kraan" userId="3ab5a76f85f29f2b" providerId="LiveId" clId="{E40AAE72-A0DC-4CD1-ADE5-A30285637776}" dt="2025-05-20T15:33:13.678" v="15" actId="26606"/>
-          <ac:cxnSpMkLst>
-            <pc:docMk/>
-            <pc:sldMk cId="756821208" sldId="270"/>
-            <ac:cxnSpMk id="12" creationId="{085AA86F-6A4D-4BCB-A045-D992CDC2959B}"/>
-          </ac:cxnSpMkLst>
-        </pc:cxnChg>
-        <pc:cxnChg chg="del">
-          <ac:chgData name="Ruben Kraan" userId="3ab5a76f85f29f2b" providerId="LiveId" clId="{E40AAE72-A0DC-4CD1-ADE5-A30285637776}" dt="2025-05-20T15:33:13.678" v="15" actId="26606"/>
-          <ac:cxnSpMkLst>
-            <pc:docMk/>
-            <pc:sldMk cId="756821208" sldId="270"/>
-            <ac:cxnSpMk id="16" creationId="{EE2E603F-4A95-4FE8-BB06-211DFD75DBEF}"/>
-          </ac:cxnSpMkLst>
-        </pc:cxnChg>
         <pc:cxnChg chg="add">
           <ac:chgData name="Ruben Kraan" userId="3ab5a76f85f29f2b" providerId="LiveId" clId="{E40AAE72-A0DC-4CD1-ADE5-A30285637776}" dt="2025-05-20T15:33:13.678" v="15" actId="26606"/>
           <ac:cxnSpMkLst>
@@ -383,38 +287,6 @@
             <ac:spMk id="2" creationId="{10675A92-F65D-6A88-305D-198F7C86BEBC}"/>
           </ac:spMkLst>
         </pc:spChg>
-        <pc:spChg chg="add del mod">
-          <ac:chgData name="Ruben Kraan" userId="3ab5a76f85f29f2b" providerId="LiveId" clId="{E40AAE72-A0DC-4CD1-ADE5-A30285637776}" dt="2025-05-20T15:32:30.467" v="8" actId="478"/>
-          <ac:spMkLst>
-            <pc:docMk/>
-            <pc:sldMk cId="1719955355" sldId="273"/>
-            <ac:spMk id="4" creationId="{F32B71FD-0220-0C69-30EB-782321976239}"/>
-          </ac:spMkLst>
-        </pc:spChg>
-        <pc:spChg chg="add del mod">
-          <ac:chgData name="Ruben Kraan" userId="3ab5a76f85f29f2b" providerId="LiveId" clId="{E40AAE72-A0DC-4CD1-ADE5-A30285637776}" dt="2025-05-20T15:32:53.148" v="12" actId="26606"/>
-          <ac:spMkLst>
-            <pc:docMk/>
-            <pc:sldMk cId="1719955355" sldId="273"/>
-            <ac:spMk id="9" creationId="{2591274D-2788-DC73-23FC-3470808A4228}"/>
-          </ac:spMkLst>
-        </pc:spChg>
-        <pc:spChg chg="del">
-          <ac:chgData name="Ruben Kraan" userId="3ab5a76f85f29f2b" providerId="LiveId" clId="{E40AAE72-A0DC-4CD1-ADE5-A30285637776}" dt="2025-05-20T15:32:48.723" v="10" actId="26606"/>
-          <ac:spMkLst>
-            <pc:docMk/>
-            <pc:sldMk cId="1719955355" sldId="273"/>
-            <ac:spMk id="18" creationId="{33E93247-6229-44AB-A550-739E971E690B}"/>
-          </ac:spMkLst>
-        </pc:spChg>
-        <pc:spChg chg="add del">
-          <ac:chgData name="Ruben Kraan" userId="3ab5a76f85f29f2b" providerId="LiveId" clId="{E40AAE72-A0DC-4CD1-ADE5-A30285637776}" dt="2025-05-20T15:32:53.148" v="12" actId="26606"/>
-          <ac:spMkLst>
-            <pc:docMk/>
-            <pc:sldMk cId="1719955355" sldId="273"/>
-            <ac:spMk id="29" creationId="{341BFA31-6544-45C2-9DA0-9E1C5E0B1959}"/>
-          </ac:spMkLst>
-        </pc:spChg>
         <pc:spChg chg="add">
           <ac:chgData name="Ruben Kraan" userId="3ab5a76f85f29f2b" providerId="LiveId" clId="{E40AAE72-A0DC-4CD1-ADE5-A30285637776}" dt="2025-05-20T15:32:53.148" v="12" actId="26606"/>
           <ac:spMkLst>
@@ -431,54 +303,6 @@
             <ac:picMk id="6" creationId="{C01EA705-EB97-418F-5AFD-4A403C72FD99}"/>
           </ac:picMkLst>
         </pc:picChg>
-        <pc:picChg chg="add del mod">
-          <ac:chgData name="Ruben Kraan" userId="3ab5a76f85f29f2b" providerId="LiveId" clId="{E40AAE72-A0DC-4CD1-ADE5-A30285637776}" dt="2025-05-20T15:32:51.181" v="11" actId="478"/>
-          <ac:picMkLst>
-            <pc:docMk/>
-            <pc:sldMk cId="1719955355" sldId="273"/>
-            <ac:picMk id="7" creationId="{D5C6D5D0-D796-461C-4F72-7A4281A5F43B}"/>
-          </ac:picMkLst>
-        </pc:picChg>
-        <pc:cxnChg chg="del">
-          <ac:chgData name="Ruben Kraan" userId="3ab5a76f85f29f2b" providerId="LiveId" clId="{E40AAE72-A0DC-4CD1-ADE5-A30285637776}" dt="2025-05-20T15:32:48.723" v="10" actId="26606"/>
-          <ac:cxnSpMkLst>
-            <pc:docMk/>
-            <pc:sldMk cId="1719955355" sldId="273"/>
-            <ac:cxnSpMk id="14" creationId="{F64F9B95-9045-48D2-B9F3-2927E98F54AA}"/>
-          </ac:cxnSpMkLst>
-        </pc:cxnChg>
-        <pc:cxnChg chg="del">
-          <ac:chgData name="Ruben Kraan" userId="3ab5a76f85f29f2b" providerId="LiveId" clId="{E40AAE72-A0DC-4CD1-ADE5-A30285637776}" dt="2025-05-20T15:32:48.723" v="10" actId="26606"/>
-          <ac:cxnSpMkLst>
-            <pc:docMk/>
-            <pc:sldMk cId="1719955355" sldId="273"/>
-            <ac:cxnSpMk id="16" creationId="{085AA86F-6A4D-4BCB-A045-D992CDC2959B}"/>
-          </ac:cxnSpMkLst>
-        </pc:cxnChg>
-        <pc:cxnChg chg="del">
-          <ac:chgData name="Ruben Kraan" userId="3ab5a76f85f29f2b" providerId="LiveId" clId="{E40AAE72-A0DC-4CD1-ADE5-A30285637776}" dt="2025-05-20T15:32:48.723" v="10" actId="26606"/>
-          <ac:cxnSpMkLst>
-            <pc:docMk/>
-            <pc:sldMk cId="1719955355" sldId="273"/>
-            <ac:cxnSpMk id="20" creationId="{EE2E603F-4A95-4FE8-BB06-211DFD75DBEF}"/>
-          </ac:cxnSpMkLst>
-        </pc:cxnChg>
-        <pc:cxnChg chg="add del">
-          <ac:chgData name="Ruben Kraan" userId="3ab5a76f85f29f2b" providerId="LiveId" clId="{E40AAE72-A0DC-4CD1-ADE5-A30285637776}" dt="2025-05-20T15:32:53.148" v="12" actId="26606"/>
-          <ac:cxnSpMkLst>
-            <pc:docMk/>
-            <pc:sldMk cId="1719955355" sldId="273"/>
-            <ac:cxnSpMk id="25" creationId="{F64F9B95-9045-48D2-B9F3-2927E98F54AA}"/>
-          </ac:cxnSpMkLst>
-        </pc:cxnChg>
-        <pc:cxnChg chg="add del">
-          <ac:chgData name="Ruben Kraan" userId="3ab5a76f85f29f2b" providerId="LiveId" clId="{E40AAE72-A0DC-4CD1-ADE5-A30285637776}" dt="2025-05-20T15:32:53.148" v="12" actId="26606"/>
-          <ac:cxnSpMkLst>
-            <pc:docMk/>
-            <pc:sldMk cId="1719955355" sldId="273"/>
-            <ac:cxnSpMk id="27" creationId="{085AA86F-6A4D-4BCB-A045-D992CDC2959B}"/>
-          </ac:cxnSpMkLst>
-        </pc:cxnChg>
         <pc:cxnChg chg="add">
           <ac:chgData name="Ruben Kraan" userId="3ab5a76f85f29f2b" providerId="LiveId" clId="{E40AAE72-A0DC-4CD1-ADE5-A30285637776}" dt="2025-05-20T15:32:53.148" v="12" actId="26606"/>
           <ac:cxnSpMkLst>
@@ -525,22 +349,6 @@
             <ac:spMk id="2" creationId="{A274EBFE-B01B-7CBB-F665-A900E7A72979}"/>
           </ac:spMkLst>
         </pc:spChg>
-        <pc:spChg chg="del">
-          <ac:chgData name="Ruben Kraan" userId="3ab5a76f85f29f2b" providerId="LiveId" clId="{E40AAE72-A0DC-4CD1-ADE5-A30285637776}" dt="2025-05-20T15:32:09.430" v="4" actId="26606"/>
-          <ac:spMkLst>
-            <pc:docMk/>
-            <pc:sldMk cId="1912125781" sldId="279"/>
-            <ac:spMk id="18" creationId="{33E93247-6229-44AB-A550-739E971E690B}"/>
-          </ac:spMkLst>
-        </pc:spChg>
-        <pc:spChg chg="add del">
-          <ac:chgData name="Ruben Kraan" userId="3ab5a76f85f29f2b" providerId="LiveId" clId="{E40AAE72-A0DC-4CD1-ADE5-A30285637776}" dt="2025-05-20T15:51:09.631" v="240" actId="26606"/>
-          <ac:spMkLst>
-            <pc:docMk/>
-            <pc:sldMk cId="1912125781" sldId="279"/>
-            <ac:spMk id="29" creationId="{341BFA31-6544-45C2-9DA0-9E1C5E0B1959}"/>
-          </ac:spMkLst>
-        </pc:spChg>
         <pc:spChg chg="add">
           <ac:chgData name="Ruben Kraan" userId="3ab5a76f85f29f2b" providerId="LiveId" clId="{E40AAE72-A0DC-4CD1-ADE5-A30285637776}" dt="2025-05-20T15:51:09.631" v="240" actId="26606"/>
           <ac:spMkLst>
@@ -565,54 +373,6 @@
             <ac:picMk id="9" creationId="{0B6FDF3C-05A8-52BF-A0EC-DBA96670D8F4}"/>
           </ac:picMkLst>
         </pc:picChg>
-        <pc:cxnChg chg="del">
-          <ac:chgData name="Ruben Kraan" userId="3ab5a76f85f29f2b" providerId="LiveId" clId="{E40AAE72-A0DC-4CD1-ADE5-A30285637776}" dt="2025-05-20T15:32:09.430" v="4" actId="26606"/>
-          <ac:cxnSpMkLst>
-            <pc:docMk/>
-            <pc:sldMk cId="1912125781" sldId="279"/>
-            <ac:cxnSpMk id="14" creationId="{F64F9B95-9045-48D2-B9F3-2927E98F54AA}"/>
-          </ac:cxnSpMkLst>
-        </pc:cxnChg>
-        <pc:cxnChg chg="del">
-          <ac:chgData name="Ruben Kraan" userId="3ab5a76f85f29f2b" providerId="LiveId" clId="{E40AAE72-A0DC-4CD1-ADE5-A30285637776}" dt="2025-05-20T15:32:09.430" v="4" actId="26606"/>
-          <ac:cxnSpMkLst>
-            <pc:docMk/>
-            <pc:sldMk cId="1912125781" sldId="279"/>
-            <ac:cxnSpMk id="16" creationId="{085AA86F-6A4D-4BCB-A045-D992CDC2959B}"/>
-          </ac:cxnSpMkLst>
-        </pc:cxnChg>
-        <pc:cxnChg chg="del">
-          <ac:chgData name="Ruben Kraan" userId="3ab5a76f85f29f2b" providerId="LiveId" clId="{E40AAE72-A0DC-4CD1-ADE5-A30285637776}" dt="2025-05-20T15:32:09.430" v="4" actId="26606"/>
-          <ac:cxnSpMkLst>
-            <pc:docMk/>
-            <pc:sldMk cId="1912125781" sldId="279"/>
-            <ac:cxnSpMk id="20" creationId="{EE2E603F-4A95-4FE8-BB06-211DFD75DBEF}"/>
-          </ac:cxnSpMkLst>
-        </pc:cxnChg>
-        <pc:cxnChg chg="add del">
-          <ac:chgData name="Ruben Kraan" userId="3ab5a76f85f29f2b" providerId="LiveId" clId="{E40AAE72-A0DC-4CD1-ADE5-A30285637776}" dt="2025-05-20T15:51:09.631" v="240" actId="26606"/>
-          <ac:cxnSpMkLst>
-            <pc:docMk/>
-            <pc:sldMk cId="1912125781" sldId="279"/>
-            <ac:cxnSpMk id="27" creationId="{085AA86F-6A4D-4BCB-A045-D992CDC2959B}"/>
-          </ac:cxnSpMkLst>
-        </pc:cxnChg>
-        <pc:cxnChg chg="add del">
-          <ac:chgData name="Ruben Kraan" userId="3ab5a76f85f29f2b" providerId="LiveId" clId="{E40AAE72-A0DC-4CD1-ADE5-A30285637776}" dt="2025-05-20T15:51:09.631" v="240" actId="26606"/>
-          <ac:cxnSpMkLst>
-            <pc:docMk/>
-            <pc:sldMk cId="1912125781" sldId="279"/>
-            <ac:cxnSpMk id="31" creationId="{DC36F877-5419-44C1-A2CD-376BDDDC3E41}"/>
-          </ac:cxnSpMkLst>
-        </pc:cxnChg>
-        <pc:cxnChg chg="del">
-          <ac:chgData name="Ruben Kraan" userId="3ab5a76f85f29f2b" providerId="LiveId" clId="{E40AAE72-A0DC-4CD1-ADE5-A30285637776}" dt="2025-05-20T15:51:09.631" v="240" actId="26606"/>
-          <ac:cxnSpMkLst>
-            <pc:docMk/>
-            <pc:sldMk cId="1912125781" sldId="279"/>
-            <ac:cxnSpMk id="33" creationId="{44B21692-652C-4371-95C5-05248EF342FA}"/>
-          </ac:cxnSpMkLst>
-        </pc:cxnChg>
         <pc:cxnChg chg="add">
           <ac:chgData name="Ruben Kraan" userId="3ab5a76f85f29f2b" providerId="LiveId" clId="{E40AAE72-A0DC-4CD1-ADE5-A30285637776}" dt="2025-05-20T15:51:09.631" v="240" actId="26606"/>
           <ac:cxnSpMkLst>
@@ -668,6 +428,21 @@
           </ac:spMkLst>
         </pc:spChg>
       </pc:sldChg>
+      <pc:sldChg chg="modSp mod">
+        <pc:chgData name="Ruben Kraan" userId="3ab5a76f85f29f2b" providerId="LiveId" clId="{E40AAE72-A0DC-4CD1-ADE5-A30285637776}" dt="2025-06-03T12:41:36.669" v="330" actId="20577"/>
+        <pc:sldMkLst>
+          <pc:docMk/>
+          <pc:sldMk cId="2125150405" sldId="283"/>
+        </pc:sldMkLst>
+        <pc:spChg chg="mod">
+          <ac:chgData name="Ruben Kraan" userId="3ab5a76f85f29f2b" providerId="LiveId" clId="{E40AAE72-A0DC-4CD1-ADE5-A30285637776}" dt="2025-06-03T12:41:36.669" v="330" actId="20577"/>
+          <ac:spMkLst>
+            <pc:docMk/>
+            <pc:sldMk cId="2125150405" sldId="283"/>
+            <ac:spMk id="6" creationId="{E6A8FC2C-C628-28D4-6B17-D05048DA664E}"/>
+          </ac:spMkLst>
+        </pc:spChg>
+      </pc:sldChg>
       <pc:sldChg chg="addSp delSp modSp mod">
         <pc:chgData name="Ruben Kraan" userId="3ab5a76f85f29f2b" providerId="LiveId" clId="{E40AAE72-A0DC-4CD1-ADE5-A30285637776}" dt="2025-05-20T15:45:15.181" v="173" actId="20577"/>
         <pc:sldMkLst>
@@ -690,22 +465,6 @@
             <ac:spMk id="4" creationId="{FC279735-D563-70A2-526A-8B92B0011D5A}"/>
           </ac:spMkLst>
         </pc:spChg>
-        <pc:spChg chg="del">
-          <ac:chgData name="Ruben Kraan" userId="3ab5a76f85f29f2b" providerId="LiveId" clId="{E40AAE72-A0DC-4CD1-ADE5-A30285637776}" dt="2025-05-20T15:36:25.494" v="57" actId="26606"/>
-          <ac:spMkLst>
-            <pc:docMk/>
-            <pc:sldMk cId="644596059" sldId="284"/>
-            <ac:spMk id="37" creationId="{F68B2C62-7648-4430-90D5-AE0F252AF113}"/>
-          </ac:spMkLst>
-        </pc:spChg>
-        <pc:spChg chg="add del">
-          <ac:chgData name="Ruben Kraan" userId="3ab5a76f85f29f2b" providerId="LiveId" clId="{E40AAE72-A0DC-4CD1-ADE5-A30285637776}" dt="2025-05-20T15:40:17.585" v="94" actId="26606"/>
-          <ac:spMkLst>
-            <pc:docMk/>
-            <pc:sldMk cId="644596059" sldId="284"/>
-            <ac:spMk id="46" creationId="{5F710FDB-0919-493E-8539-8240C23F1EB2}"/>
-          </ac:spMkLst>
-        </pc:spChg>
         <pc:spChg chg="add">
           <ac:chgData name="Ruben Kraan" userId="3ab5a76f85f29f2b" providerId="LiveId" clId="{E40AAE72-A0DC-4CD1-ADE5-A30285637776}" dt="2025-05-20T15:40:17.585" v="94" actId="26606"/>
           <ac:spMkLst>
@@ -714,46 +473,6 @@
             <ac:spMk id="55" creationId="{5F710FDB-0919-493E-8539-8240C23F1EB2}"/>
           </ac:spMkLst>
         </pc:spChg>
-        <pc:graphicFrameChg chg="del mod">
-          <ac:chgData name="Ruben Kraan" userId="3ab5a76f85f29f2b" providerId="LiveId" clId="{E40AAE72-A0DC-4CD1-ADE5-A30285637776}" dt="2025-05-20T15:33:41.078" v="19" actId="478"/>
-          <ac:graphicFrameMkLst>
-            <pc:docMk/>
-            <pc:sldMk cId="644596059" sldId="284"/>
-            <ac:graphicFrameMk id="33" creationId="{B8FEE280-6F1A-C314-52C6-34BD46FF930F}"/>
-          </ac:graphicFrameMkLst>
-        </pc:graphicFrameChg>
-        <pc:cxnChg chg="del">
-          <ac:chgData name="Ruben Kraan" userId="3ab5a76f85f29f2b" providerId="LiveId" clId="{E40AAE72-A0DC-4CD1-ADE5-A30285637776}" dt="2025-05-20T15:36:25.494" v="57" actId="26606"/>
-          <ac:cxnSpMkLst>
-            <pc:docMk/>
-            <pc:sldMk cId="644596059" sldId="284"/>
-            <ac:cxnSpMk id="39" creationId="{B75B4F83-6FDB-4998-8E11-31CE6E7040B7}"/>
-          </ac:cxnSpMkLst>
-        </pc:cxnChg>
-        <pc:cxnChg chg="del">
-          <ac:chgData name="Ruben Kraan" userId="3ab5a76f85f29f2b" providerId="LiveId" clId="{E40AAE72-A0DC-4CD1-ADE5-A30285637776}" dt="2025-05-20T15:36:25.494" v="57" actId="26606"/>
-          <ac:cxnSpMkLst>
-            <pc:docMk/>
-            <pc:sldMk cId="644596059" sldId="284"/>
-            <ac:cxnSpMk id="41" creationId="{B0794B99-5B9D-4B94-9505-1EDED76CD61F}"/>
-          </ac:cxnSpMkLst>
-        </pc:cxnChg>
-        <pc:cxnChg chg="add del">
-          <ac:chgData name="Ruben Kraan" userId="3ab5a76f85f29f2b" providerId="LiveId" clId="{E40AAE72-A0DC-4CD1-ADE5-A30285637776}" dt="2025-05-20T15:40:17.585" v="94" actId="26606"/>
-          <ac:cxnSpMkLst>
-            <pc:docMk/>
-            <pc:sldMk cId="644596059" sldId="284"/>
-            <ac:cxnSpMk id="48" creationId="{22F20000-FD86-48F6-9363-FEC90C932DCD}"/>
-          </ac:cxnSpMkLst>
-        </pc:cxnChg>
-        <pc:cxnChg chg="add del">
-          <ac:chgData name="Ruben Kraan" userId="3ab5a76f85f29f2b" providerId="LiveId" clId="{E40AAE72-A0DC-4CD1-ADE5-A30285637776}" dt="2025-05-20T15:40:17.585" v="94" actId="26606"/>
-          <ac:cxnSpMkLst>
-            <pc:docMk/>
-            <pc:sldMk cId="644596059" sldId="284"/>
-            <ac:cxnSpMk id="50" creationId="{872AE332-6ACA-45BE-875F-91A291D4A40D}"/>
-          </ac:cxnSpMkLst>
-        </pc:cxnChg>
         <pc:cxnChg chg="add">
           <ac:chgData name="Ruben Kraan" userId="3ab5a76f85f29f2b" providerId="LiveId" clId="{E40AAE72-A0DC-4CD1-ADE5-A30285637776}" dt="2025-05-20T15:40:17.585" v="94" actId="26606"/>
           <ac:cxnSpMkLst>
@@ -808,22 +527,6 @@
             <ac:spMk id="4" creationId="{B7A4C2A7-DEB8-1014-EAF5-D46C3C04CB8E}"/>
           </ac:spMkLst>
         </pc:spChg>
-        <pc:spChg chg="del">
-          <ac:chgData name="Ruben Kraan" userId="3ab5a76f85f29f2b" providerId="LiveId" clId="{E40AAE72-A0DC-4CD1-ADE5-A30285637776}" dt="2025-05-20T15:45:26.152" v="174" actId="26606"/>
-          <ac:spMkLst>
-            <pc:docMk/>
-            <pc:sldMk cId="2653789026" sldId="288"/>
-            <ac:spMk id="9" creationId="{985184E4-C93A-4E34-8365-1886AAC5DE60}"/>
-          </ac:spMkLst>
-        </pc:spChg>
-        <pc:spChg chg="add del">
-          <ac:chgData name="Ruben Kraan" userId="3ab5a76f85f29f2b" providerId="LiveId" clId="{E40AAE72-A0DC-4CD1-ADE5-A30285637776}" dt="2025-05-20T15:45:33.302" v="176" actId="26606"/>
-          <ac:spMkLst>
-            <pc:docMk/>
-            <pc:sldMk cId="2653789026" sldId="288"/>
-            <ac:spMk id="18" creationId="{E49D7415-2F11-44C2-B6AA-13A25B6814B9}"/>
-          </ac:spMkLst>
-        </pc:spChg>
         <pc:spChg chg="add">
           <ac:chgData name="Ruben Kraan" userId="3ab5a76f85f29f2b" providerId="LiveId" clId="{E40AAE72-A0DC-4CD1-ADE5-A30285637776}" dt="2025-05-20T15:45:33.302" v="176" actId="26606"/>
           <ac:spMkLst>
@@ -832,46 +535,6 @@
             <ac:spMk id="27" creationId="{5F710FDB-0919-493E-8539-8240C23F1EB2}"/>
           </ac:spMkLst>
         </pc:spChg>
-        <pc:graphicFrameChg chg="del">
-          <ac:chgData name="Ruben Kraan" userId="3ab5a76f85f29f2b" providerId="LiveId" clId="{E40AAE72-A0DC-4CD1-ADE5-A30285637776}" dt="2025-05-20T15:43:32.044" v="102" actId="478"/>
-          <ac:graphicFrameMkLst>
-            <pc:docMk/>
-            <pc:sldMk cId="2653789026" sldId="288"/>
-            <ac:graphicFrameMk id="5" creationId="{B31F0611-0BF0-3DF0-7E93-2DA8DE6DFAA1}"/>
-          </ac:graphicFrameMkLst>
-        </pc:graphicFrameChg>
-        <pc:picChg chg="add del">
-          <ac:chgData name="Ruben Kraan" userId="3ab5a76f85f29f2b" providerId="LiveId" clId="{E40AAE72-A0DC-4CD1-ADE5-A30285637776}" dt="2025-05-20T15:45:28.043" v="175" actId="478"/>
-          <ac:picMkLst>
-            <pc:docMk/>
-            <pc:sldMk cId="2653789026" sldId="288"/>
-            <ac:picMk id="15" creationId="{89E6EB04-4A2B-BB3F-70A6-37A3350503FB}"/>
-          </ac:picMkLst>
-        </pc:picChg>
-        <pc:cxnChg chg="del">
-          <ac:chgData name="Ruben Kraan" userId="3ab5a76f85f29f2b" providerId="LiveId" clId="{E40AAE72-A0DC-4CD1-ADE5-A30285637776}" dt="2025-05-20T15:45:26.152" v="174" actId="26606"/>
-          <ac:cxnSpMkLst>
-            <pc:docMk/>
-            <pc:sldMk cId="2653789026" sldId="288"/>
-            <ac:cxnSpMk id="11" creationId="{8AB0D40B-37F7-4F1F-B956-AFC12066ABE3}"/>
-          </ac:cxnSpMkLst>
-        </pc:cxnChg>
-        <pc:cxnChg chg="add del">
-          <ac:chgData name="Ruben Kraan" userId="3ab5a76f85f29f2b" providerId="LiveId" clId="{E40AAE72-A0DC-4CD1-ADE5-A30285637776}" dt="2025-05-20T15:45:33.302" v="176" actId="26606"/>
-          <ac:cxnSpMkLst>
-            <pc:docMk/>
-            <pc:sldMk cId="2653789026" sldId="288"/>
-            <ac:cxnSpMk id="20" creationId="{D2E57F3D-33BE-4306-87E6-245763719516}"/>
-          </ac:cxnSpMkLst>
-        </pc:cxnChg>
-        <pc:cxnChg chg="add del">
-          <ac:chgData name="Ruben Kraan" userId="3ab5a76f85f29f2b" providerId="LiveId" clId="{E40AAE72-A0DC-4CD1-ADE5-A30285637776}" dt="2025-05-20T15:45:33.302" v="176" actId="26606"/>
-          <ac:cxnSpMkLst>
-            <pc:docMk/>
-            <pc:sldMk cId="2653789026" sldId="288"/>
-            <ac:cxnSpMk id="22" creationId="{8E0104E4-99BC-494F-8342-F250828E574F}"/>
-          </ac:cxnSpMkLst>
-        </pc:cxnChg>
         <pc:cxnChg chg="add">
           <ac:chgData name="Ruben Kraan" userId="3ab5a76f85f29f2b" providerId="LiveId" clId="{E40AAE72-A0DC-4CD1-ADE5-A30285637776}" dt="2025-05-20T15:45:33.302" v="176" actId="26606"/>
           <ac:cxnSpMkLst>
@@ -911,30 +574,6 @@
             <ac:spMk id="4" creationId="{64C1FDF4-BC17-48E6-66C1-225F00ACDCAA}"/>
           </ac:spMkLst>
         </pc:spChg>
-        <pc:spChg chg="del">
-          <ac:chgData name="Ruben Kraan" userId="3ab5a76f85f29f2b" providerId="LiveId" clId="{E40AAE72-A0DC-4CD1-ADE5-A30285637776}" dt="2025-05-20T15:47:18.086" v="177" actId="26606"/>
-          <ac:spMkLst>
-            <pc:docMk/>
-            <pc:sldMk cId="4037091853" sldId="290"/>
-            <ac:spMk id="31" creationId="{F68B2C62-7648-4430-90D5-AE0F252AF113}"/>
-          </ac:spMkLst>
-        </pc:spChg>
-        <pc:spChg chg="del">
-          <ac:chgData name="Ruben Kraan" userId="3ab5a76f85f29f2b" providerId="LiveId" clId="{E40AAE72-A0DC-4CD1-ADE5-A30285637776}" dt="2025-05-20T15:47:18.086" v="177" actId="26606"/>
-          <ac:spMkLst>
-            <pc:docMk/>
-            <pc:sldMk cId="4037091853" sldId="290"/>
-            <ac:spMk id="32" creationId="{19604516-F583-413C-8C0B-E7944F332B5A}"/>
-          </ac:spMkLst>
-        </pc:spChg>
-        <pc:spChg chg="add del">
-          <ac:chgData name="Ruben Kraan" userId="3ab5a76f85f29f2b" providerId="LiveId" clId="{E40AAE72-A0DC-4CD1-ADE5-A30285637776}" dt="2025-05-20T15:50:09.596" v="234" actId="26606"/>
-          <ac:spMkLst>
-            <pc:docMk/>
-            <pc:sldMk cId="4037091853" sldId="290"/>
-            <ac:spMk id="37" creationId="{E49D7415-2F11-44C2-B6AA-13A25B6814B9}"/>
-          </ac:spMkLst>
-        </pc:spChg>
         <pc:spChg chg="add">
           <ac:chgData name="Ruben Kraan" userId="3ab5a76f85f29f2b" providerId="LiveId" clId="{E40AAE72-A0DC-4CD1-ADE5-A30285637776}" dt="2025-05-20T15:50:09.596" v="234" actId="26606"/>
           <ac:spMkLst>
@@ -943,38 +582,6 @@
             <ac:spMk id="46" creationId="{E49D7415-2F11-44C2-B6AA-13A25B6814B9}"/>
           </ac:spMkLst>
         </pc:spChg>
-        <pc:graphicFrameChg chg="del mod modGraphic">
-          <ac:chgData name="Ruben Kraan" userId="3ab5a76f85f29f2b" providerId="LiveId" clId="{E40AAE72-A0DC-4CD1-ADE5-A30285637776}" dt="2025-05-20T15:47:21.813" v="179" actId="478"/>
-          <ac:graphicFrameMkLst>
-            <pc:docMk/>
-            <pc:sldMk cId="4037091853" sldId="290"/>
-            <ac:graphicFrameMk id="21" creationId="{B8DAC50F-A31E-C197-FFCE-EED25C4527A2}"/>
-          </ac:graphicFrameMkLst>
-        </pc:graphicFrameChg>
-        <pc:picChg chg="add del">
-          <ac:chgData name="Ruben Kraan" userId="3ab5a76f85f29f2b" providerId="LiveId" clId="{E40AAE72-A0DC-4CD1-ADE5-A30285637776}" dt="2025-05-20T15:50:11.713" v="235" actId="478"/>
-          <ac:picMkLst>
-            <pc:docMk/>
-            <pc:sldMk cId="4037091853" sldId="290"/>
-            <ac:picMk id="43" creationId="{2AA4ADB8-82DC-E09D-3287-8264B34A2B68}"/>
-          </ac:picMkLst>
-        </pc:picChg>
-        <pc:cxnChg chg="del">
-          <ac:chgData name="Ruben Kraan" userId="3ab5a76f85f29f2b" providerId="LiveId" clId="{E40AAE72-A0DC-4CD1-ADE5-A30285637776}" dt="2025-05-20T15:47:18.086" v="177" actId="26606"/>
-          <ac:cxnSpMkLst>
-            <pc:docMk/>
-            <pc:sldMk cId="4037091853" sldId="290"/>
-            <ac:cxnSpMk id="30" creationId="{4BFD5B9F-5FB6-467D-83D5-DF82F1907354}"/>
-          </ac:cxnSpMkLst>
-        </pc:cxnChg>
-        <pc:cxnChg chg="add del">
-          <ac:chgData name="Ruben Kraan" userId="3ab5a76f85f29f2b" providerId="LiveId" clId="{E40AAE72-A0DC-4CD1-ADE5-A30285637776}" dt="2025-05-20T15:50:09.596" v="234" actId="26606"/>
-          <ac:cxnSpMkLst>
-            <pc:docMk/>
-            <pc:sldMk cId="4037091853" sldId="290"/>
-            <ac:cxnSpMk id="39" creationId="{40ADC89C-EB4E-4AA5-ABBD-448BEC5FA3C4}"/>
-          </ac:cxnSpMkLst>
-        </pc:cxnChg>
         <pc:cxnChg chg="add">
           <ac:chgData name="Ruben Kraan" userId="3ab5a76f85f29f2b" providerId="LiveId" clId="{E40AAE72-A0DC-4CD1-ADE5-A30285637776}" dt="2025-05-20T15:50:09.596" v="234" actId="26606"/>
           <ac:cxnSpMkLst>
@@ -11040,7 +10647,7 @@
           <a:p>
             <a:fld id="{97B1B113-90E2-4C8D-B8CB-24B752FD9680}" type="datetimeFigureOut">
               <a:rPr lang="nl-NL" smtClean="0"/>
-              <a:t>20-5-2025</a:t>
+              <a:t>3-6-2025</a:t>
             </a:fld>
             <a:endParaRPr lang="nl-NL"/>
           </a:p>
@@ -11461,7 +11068,7 @@
           <a:p>
             <a:fld id="{C865D855-B0AC-4AC5-98C1-3C8649258B29}" type="datetime1">
               <a:rPr lang="en-US" smtClean="0"/>
-              <a:t>5/20/2025</a:t>
+              <a:t>6/3/2025</a:t>
             </a:fld>
             <a:endParaRPr lang="en-US"/>
           </a:p>
@@ -11661,7 +11268,7 @@
           <a:p>
             <a:fld id="{7F85A355-DC08-4BB6-8F45-86FBC4E48CE3}" type="datetime1">
               <a:rPr lang="en-US" smtClean="0"/>
-              <a:t>5/20/2025</a:t>
+              <a:t>6/3/2025</a:t>
             </a:fld>
             <a:endParaRPr lang="en-US"/>
           </a:p>
@@ -11871,7 +11478,7 @@
           <a:p>
             <a:fld id="{753E379A-57EF-438F-AD2E-4199C6F1C747}" type="datetime1">
               <a:rPr lang="en-US" smtClean="0"/>
-              <a:t>5/20/2025</a:t>
+              <a:t>6/3/2025</a:t>
             </a:fld>
             <a:endParaRPr lang="en-US"/>
           </a:p>
@@ -12071,7 +11678,7 @@
           <a:p>
             <a:fld id="{C55B6ADD-1580-4716-8687-592E75E2B0EB}" type="datetime1">
               <a:rPr lang="en-US" smtClean="0"/>
-              <a:t>5/20/2025</a:t>
+              <a:t>6/3/2025</a:t>
             </a:fld>
             <a:endParaRPr lang="en-US"/>
           </a:p>
@@ -12347,7 +11954,7 @@
           <a:p>
             <a:fld id="{42E650B7-2CF1-453F-A29B-6BD79AA76FF6}" type="datetime1">
               <a:rPr lang="en-US" smtClean="0"/>
-              <a:t>5/20/2025</a:t>
+              <a:t>6/3/2025</a:t>
             </a:fld>
             <a:endParaRPr lang="en-US"/>
           </a:p>
@@ -12620,7 +12227,7 @@
           <a:p>
             <a:fld id="{2B81D36F-3AE6-40EB-92B3-176A09042269}" type="datetime1">
               <a:rPr lang="en-US" smtClean="0"/>
-              <a:t>5/20/2025</a:t>
+              <a:t>6/3/2025</a:t>
             </a:fld>
             <a:endParaRPr lang="en-US"/>
           </a:p>
@@ -13043,7 +12650,7 @@
           <a:p>
             <a:fld id="{B3377331-78B5-4880-8DEE-6A1B904ABBFA}" type="datetime1">
               <a:rPr lang="en-US" smtClean="0"/>
-              <a:t>5/20/2025</a:t>
+              <a:t>6/3/2025</a:t>
             </a:fld>
             <a:endParaRPr lang="en-US"/>
           </a:p>
@@ -13185,7 +12792,7 @@
           <a:p>
             <a:fld id="{C5C9CCEC-3A41-4830-90E4-D6EA5C9DD678}" type="datetime1">
               <a:rPr lang="en-US" smtClean="0"/>
-              <a:t>5/20/2025</a:t>
+              <a:t>6/3/2025</a:t>
             </a:fld>
             <a:endParaRPr lang="en-US"/>
           </a:p>
@@ -13298,7 +12905,7 @@
           <a:p>
             <a:fld id="{40FA977B-1ED0-4E2B-964D-51B8B3A25C6E}" type="datetime1">
               <a:rPr lang="en-US" smtClean="0"/>
-              <a:t>5/20/2025</a:t>
+              <a:t>6/3/2025</a:t>
             </a:fld>
             <a:endParaRPr lang="en-US"/>
           </a:p>
@@ -13611,7 +13218,7 @@
           <a:p>
             <a:fld id="{B968C0FC-2CCA-48B7-B3F4-9374A203EBCE}" type="datetime1">
               <a:rPr lang="en-US" smtClean="0"/>
-              <a:t>5/20/2025</a:t>
+              <a:t>6/3/2025</a:t>
             </a:fld>
             <a:endParaRPr lang="en-US"/>
           </a:p>
@@ -13904,7 +13511,7 @@
           <a:p>
             <a:fld id="{26FEAA6C-C66E-4857-9F49-5AD1B5F14775}" type="datetime1">
               <a:rPr lang="en-US" smtClean="0"/>
-              <a:t>5/20/2025</a:t>
+              <a:t>6/3/2025</a:t>
             </a:fld>
             <a:endParaRPr lang="en-US"/>
           </a:p>
@@ -14146,7 +13753,7 @@
           <a:p>
             <a:fld id="{20B5FC0A-D265-455E-ADBD-0D08497E9E69}" type="datetime1">
               <a:rPr lang="en-US" smtClean="0"/>
-              <a:t>5/20/2025</a:t>
+              <a:t>6/3/2025</a:t>
             </a:fld>
             <a:endParaRPr lang="en-US"/>
           </a:p>
@@ -21336,7 +20943,7 @@
               <a:rPr lang="en-US" b="0" i="0" dirty="0">
                 <a:effectLst/>
               </a:rPr>
-              <a:t>Chi-Square Statistic: 22.66856665178056 </a:t>
+              <a:t>Chi-Square Statistic: 22.66</a:t>
             </a:r>
           </a:p>
           <a:p>
@@ -21354,8 +20961,17 @@
               <a:rPr lang="en-US" b="0" i="0" dirty="0">
                 <a:effectLst/>
               </a:rPr>
-              <a:t>P-value: 1.1955928116587024e-05 </a:t>
+              <a:t>P-value</a:t>
             </a:r>
+            <a:r>
+              <a:rPr lang="en-US" b="0" i="0">
+                <a:effectLst/>
+              </a:rPr>
+              <a:t>: 1.19e-05 </a:t>
+            </a:r>
+            <a:endParaRPr lang="en-US" b="0" i="0" dirty="0">
+              <a:effectLst/>
+            </a:endParaRPr>
           </a:p>
           <a:p>
             <a:pPr indent="-228600">
